--- a/深入理解Java虚拟机.pptx
+++ b/深入理解Java虚拟机.pptx
@@ -219,7 +219,7 @@
           <a:p>
             <a:fld id="{D2A48B96-639E-45A3-A0BA-2464DFDB1FAA}" type="datetimeFigureOut">
               <a:rPr lang="zh-CN" altLang="en-US" smtClean="0"/>
-              <a:t>2016/12/15</a:t>
+              <a:t>2016/12/30</a:t>
             </a:fld>
             <a:endParaRPr lang="zh-CN" altLang="en-US"/>
           </a:p>
@@ -1378,7 +1378,7 @@
                   </a:prstClr>
                 </a:solidFill>
               </a:rPr>
-              <a:t>2016/12/15</a:t>
+              <a:t>2016/12/30</a:t>
             </a:fld>
             <a:endParaRPr lang="zh-CN" altLang="en-US">
               <a:solidFill>
@@ -1506,7 +1506,7 @@
                   </a:prstClr>
                 </a:solidFill>
               </a:rPr>
-              <a:t>2016/12/15</a:t>
+              <a:t>2016/12/30</a:t>
             </a:fld>
             <a:endParaRPr lang="zh-CN" altLang="en-US">
               <a:solidFill>
@@ -1809,7 +1809,7 @@
           <a:p>
             <a:fld id="{7D61141C-C3AC-4E26-8E0A-3A317DFB1F2A}" type="datetimeFigureOut">
               <a:rPr lang="zh-CN" altLang="en-US" smtClean="0"/>
-              <a:t>2016/12/15</a:t>
+              <a:t>2016/12/30</a:t>
             </a:fld>
             <a:endParaRPr lang="zh-CN" altLang="en-US"/>
           </a:p>
@@ -2180,7 +2180,7 @@
           <a:p>
             <a:fld id="{7D61141C-C3AC-4E26-8E0A-3A317DFB1F2A}" type="datetimeFigureOut">
               <a:rPr lang="zh-CN" altLang="en-US" smtClean="0"/>
-              <a:t>2016/12/15</a:t>
+              <a:t>2016/12/30</a:t>
             </a:fld>
             <a:endParaRPr lang="zh-CN" altLang="en-US"/>
           </a:p>
@@ -2546,7 +2546,7 @@
           <a:p>
             <a:fld id="{7D61141C-C3AC-4E26-8E0A-3A317DFB1F2A}" type="datetimeFigureOut">
               <a:rPr lang="zh-CN" altLang="en-US" smtClean="0"/>
-              <a:t>2016/12/15</a:t>
+              <a:t>2016/12/30</a:t>
             </a:fld>
             <a:endParaRPr lang="zh-CN" altLang="en-US"/>
           </a:p>
@@ -3161,7 +3161,7 @@
           <a:p>
             <a:fld id="{7D61141C-C3AC-4E26-8E0A-3A317DFB1F2A}" type="datetimeFigureOut">
               <a:rPr lang="zh-CN" altLang="en-US" smtClean="0"/>
-              <a:t>2016/12/15</a:t>
+              <a:t>2016/12/30</a:t>
             </a:fld>
             <a:endParaRPr lang="zh-CN" altLang="en-US"/>
           </a:p>
@@ -3648,7 +3648,7 @@
           <a:p>
             <a:fld id="{7D61141C-C3AC-4E26-8E0A-3A317DFB1F2A}" type="datetimeFigureOut">
               <a:rPr lang="zh-CN" altLang="en-US" smtClean="0"/>
-              <a:t>2016/12/15</a:t>
+              <a:t>2016/12/30</a:t>
             </a:fld>
             <a:endParaRPr lang="zh-CN" altLang="en-US"/>
           </a:p>
@@ -3789,7 +3789,7 @@
           <a:p>
             <a:fld id="{7D61141C-C3AC-4E26-8E0A-3A317DFB1F2A}" type="datetimeFigureOut">
               <a:rPr lang="zh-CN" altLang="en-US" smtClean="0"/>
-              <a:t>2016/12/15</a:t>
+              <a:t>2016/12/30</a:t>
             </a:fld>
             <a:endParaRPr lang="zh-CN" altLang="en-US"/>
           </a:p>
@@ -3879,7 +3879,7 @@
           <a:p>
             <a:fld id="{7D61141C-C3AC-4E26-8E0A-3A317DFB1F2A}" type="datetimeFigureOut">
               <a:rPr lang="zh-CN" altLang="en-US" smtClean="0"/>
-              <a:t>2016/12/15</a:t>
+              <a:t>2016/12/30</a:t>
             </a:fld>
             <a:endParaRPr lang="zh-CN" altLang="en-US"/>
           </a:p>
@@ -4128,7 +4128,7 @@
           <a:p>
             <a:fld id="{7D61141C-C3AC-4E26-8E0A-3A317DFB1F2A}" type="datetimeFigureOut">
               <a:rPr lang="zh-CN" altLang="en-US" smtClean="0"/>
-              <a:t>2016/12/15</a:t>
+              <a:t>2016/12/30</a:t>
             </a:fld>
             <a:endParaRPr lang="zh-CN" altLang="en-US"/>
           </a:p>
@@ -4317,7 +4317,7 @@
           <a:p>
             <a:fld id="{7D61141C-C3AC-4E26-8E0A-3A317DFB1F2A}" type="datetimeFigureOut">
               <a:rPr lang="zh-CN" altLang="en-US" smtClean="0"/>
-              <a:t>2016/12/15</a:t>
+              <a:t>2016/12/30</a:t>
             </a:fld>
             <a:endParaRPr lang="zh-CN" altLang="en-US"/>
           </a:p>
@@ -4520,7 +4520,7 @@
                   </a:prstClr>
                 </a:solidFill>
               </a:rPr>
-              <a:t>2016/12/15</a:t>
+              <a:t>2016/12/30</a:t>
             </a:fld>
             <a:endParaRPr lang="zh-CN" altLang="en-US">
               <a:solidFill>
@@ -4634,7 +4634,7 @@
           <a:p>
             <a:fld id="{7D61141C-C3AC-4E26-8E0A-3A317DFB1F2A}" type="datetimeFigureOut">
               <a:rPr lang="zh-CN" altLang="en-US" smtClean="0"/>
-              <a:t>2016/12/15</a:t>
+              <a:t>2016/12/30</a:t>
             </a:fld>
             <a:endParaRPr lang="zh-CN" altLang="en-US"/>
           </a:p>
@@ -5141,7 +5141,7 @@
                   </a:prstClr>
                 </a:solidFill>
               </a:rPr>
-              <a:t>2016/12/15</a:t>
+              <a:t>2016/12/30</a:t>
             </a:fld>
             <a:endParaRPr lang="zh-CN" altLang="en-US">
               <a:solidFill>
@@ -5443,7 +5443,7 @@
                   </a:prstClr>
                 </a:solidFill>
               </a:rPr>
-              <a:t>2016/12/15</a:t>
+              <a:t>2016/12/30</a:t>
             </a:fld>
             <a:endParaRPr lang="zh-CN" altLang="en-US">
               <a:solidFill>
@@ -5867,7 +5867,7 @@
                   </a:prstClr>
                 </a:solidFill>
               </a:rPr>
-              <a:t>2016/12/15</a:t>
+              <a:t>2016/12/30</a:t>
             </a:fld>
             <a:endParaRPr lang="zh-CN" altLang="en-US">
               <a:solidFill>
@@ -6037,7 +6037,7 @@
                   </a:prstClr>
                 </a:solidFill>
               </a:rPr>
-              <a:t>2016/12/15</a:t>
+              <a:t>2016/12/30</a:t>
             </a:fld>
             <a:endParaRPr lang="zh-CN" altLang="en-US">
               <a:solidFill>
@@ -6165,7 +6165,7 @@
                   </a:prstClr>
                 </a:solidFill>
               </a:rPr>
-              <a:t>2016/12/15</a:t>
+              <a:t>2016/12/30</a:t>
             </a:fld>
             <a:endParaRPr lang="zh-CN" altLang="en-US">
               <a:solidFill>
@@ -6485,7 +6485,7 @@
                   </a:prstClr>
                 </a:solidFill>
               </a:rPr>
-              <a:t>2016/12/15</a:t>
+              <a:t>2016/12/30</a:t>
             </a:fld>
             <a:endParaRPr lang="zh-CN" altLang="en-US">
               <a:solidFill>
@@ -6718,7 +6718,7 @@
                   </a:prstClr>
                 </a:solidFill>
               </a:rPr>
-              <a:t>2016/12/15</a:t>
+              <a:t>2016/12/30</a:t>
             </a:fld>
             <a:endParaRPr lang="zh-CN" altLang="en-US">
               <a:solidFill>
@@ -6968,7 +6968,7 @@
                   </a:prstClr>
                 </a:solidFill>
               </a:rPr>
-              <a:t>2016/12/15</a:t>
+              <a:t>2016/12/30</a:t>
             </a:fld>
             <a:endParaRPr lang="zh-CN" altLang="en-US">
               <a:solidFill>
@@ -7558,7 +7558,7 @@
           <a:p>
             <a:fld id="{7D61141C-C3AC-4E26-8E0A-3A317DFB1F2A}" type="datetimeFigureOut">
               <a:rPr lang="zh-CN" altLang="en-US" smtClean="0"/>
-              <a:t>2016/12/15</a:t>
+              <a:t>2016/12/30</a:t>
             </a:fld>
             <a:endParaRPr lang="zh-CN" altLang="en-US"/>
           </a:p>
